--- a/Abschlussübung SCO2.pptx
+++ b/Abschlussübung SCO2.pptx
@@ -6433,14 +6433,92 @@
         </p:blipFill>
         <p:spPr>
           <a:xfrm>
-            <a:off x="2523939" y="1776968"/>
-            <a:ext cx="5581650" cy="4333875"/>
+            <a:off x="2672178" y="1364923"/>
+            <a:ext cx="4385845" cy="3405392"/>
           </a:xfrm>
           <a:prstGeom prst="rect">
             <a:avLst/>
           </a:prstGeom>
         </p:spPr>
       </p:pic>
+      <p:sp>
+        <p:nvSpPr>
+          <p:cNvPr id="5" name="Inhaltsplatzhalter 2">
+            <a:extLst>
+              <a:ext uri="{FF2B5EF4-FFF2-40B4-BE49-F238E27FC236}">
+                <a16:creationId xmlns:a16="http://schemas.microsoft.com/office/drawing/2014/main" id="{23B3AB5D-5D77-4176-8831-25B3B7569AD4}"/>
+              </a:ext>
+            </a:extLst>
+          </p:cNvPr>
+          <p:cNvSpPr>
+            <a:spLocks noGrp="1"/>
+          </p:cNvSpPr>
+          <p:nvPr>
+            <p:ph idx="1"/>
+          </p:nvPr>
+        </p:nvSpPr>
+        <p:spPr>
+          <a:xfrm>
+            <a:off x="677334" y="5186532"/>
+            <a:ext cx="8596668" cy="1320800"/>
+          </a:xfrm>
+        </p:spPr>
+        <p:txBody>
+          <a:bodyPr>
+            <a:normAutofit/>
+          </a:bodyPr>
+          <a:lstStyle/>
+          <a:p>
+            <a:r>
+              <a:rPr lang="de-AT" sz="2400" dirty="0"/>
+              <a:t>Conclusio: </a:t>
+            </a:r>
+            <a:r>
+              <a:rPr lang="de-AT" sz="2400" dirty="0" err="1"/>
+              <a:t>binary</a:t>
+            </a:r>
+            <a:r>
+              <a:rPr lang="de-AT" sz="2400" dirty="0"/>
+              <a:t> </a:t>
+            </a:r>
+            <a:r>
+              <a:rPr lang="de-AT" sz="2400" dirty="0" err="1"/>
+              <a:t>mode</a:t>
+            </a:r>
+            <a:r>
+              <a:rPr lang="de-AT" sz="2400" dirty="0"/>
+              <a:t> liefert bestes Ergebnis</a:t>
+            </a:r>
+          </a:p>
+          <a:p>
+            <a:endParaRPr lang="de-AT" sz="2400" dirty="0"/>
+          </a:p>
+          <a:p>
+            <a:endParaRPr lang="de-AT" sz="2400" dirty="0"/>
+          </a:p>
+          <a:p>
+            <a:endParaRPr lang="en-GB" sz="2000" dirty="0"/>
+          </a:p>
+          <a:p>
+            <a:pPr lvl="2"/>
+            <a:endParaRPr lang="en-GB" sz="2000" dirty="0"/>
+          </a:p>
+          <a:p>
+            <a:pPr lvl="1"/>
+            <a:endParaRPr lang="de-AT" sz="2200" dirty="0"/>
+          </a:p>
+          <a:p>
+            <a:pPr lvl="1"/>
+            <a:endParaRPr lang="de-AT" sz="2200" dirty="0"/>
+          </a:p>
+          <a:p>
+            <a:pPr marL="0" indent="0">
+              <a:buNone/>
+            </a:pPr>
+            <a:endParaRPr lang="de-AT" dirty="0"/>
+          </a:p>
+        </p:txBody>
+      </p:sp>
     </p:spTree>
     <p:extLst>
       <p:ext uri="{BB962C8B-B14F-4D97-AF65-F5344CB8AC3E}">
@@ -6522,7 +6600,7 @@
           <a:p>
             <a:r>
               <a:rPr lang="de-AT" sz="2400" dirty="0"/>
-              <a:t>Sentiment-Klassifikation zu Filmen mittels MLP</a:t>
+              <a:t>Sentiment-Klassifikation zu Filmkritiken mittels MLP</a:t>
             </a:r>
           </a:p>
           <a:p>
@@ -6540,15 +6618,23 @@
           <a:p>
             <a:r>
               <a:rPr lang="de-AT" sz="2400" dirty="0"/>
-              <a:t>Aufgabe: diese Kritiken mittels MLP zu erlernen und auf neue </a:t>
+              <a:t>Aufgabe: </a:t>
             </a:r>
             <a:r>
               <a:rPr lang="de-AT" sz="2400" dirty="0" err="1"/>
-              <a:t>unklassifizierte</a:t>
+              <a:t>Vocabulary</a:t>
             </a:r>
             <a:r>
               <a:rPr lang="de-AT" sz="2400" dirty="0"/>
-              <a:t> Kritiken anwenden</a:t>
+              <a:t> und Bag </a:t>
+            </a:r>
+            <a:r>
+              <a:rPr lang="de-AT" sz="2400" dirty="0" err="1"/>
+              <a:t>of</a:t>
+            </a:r>
+            <a:r>
+              <a:rPr lang="de-AT" sz="2400" dirty="0"/>
+              <a:t> Words Modell für Filmkritiken erstellen</a:t>
             </a:r>
           </a:p>
           <a:p>
@@ -6642,7 +6728,15 @@
           <a:p>
             <a:r>
               <a:rPr lang="de-AT" sz="2400" dirty="0"/>
-              <a:t>Bereitet das Vokabular auf, welches anschließend zur Vektorisierung und Klassifizierung verwendet wird</a:t>
+              <a:t>Bereitet das </a:t>
+            </a:r>
+            <a:r>
+              <a:rPr lang="de-AT" sz="2400" dirty="0" err="1"/>
+              <a:t>Vocabulary</a:t>
+            </a:r>
+            <a:r>
+              <a:rPr lang="de-AT" sz="2400" dirty="0"/>
+              <a:t> auf, welches anschließend zur Vektorisierung und Klassifizierung verwendet wird</a:t>
             </a:r>
           </a:p>
           <a:p>
@@ -7330,13 +7424,8 @@
             </a:r>
             <a:r>
               <a:rPr lang="de-AT" sz="2000" dirty="0"/>
-              <a:t> Words: Umwandlung in Vektoren bzw. </a:t>
-            </a:r>
-            <a:r>
-              <a:rPr lang="de-AT" sz="2000" dirty="0" err="1"/>
-              <a:t>Matricen</a:t>
-            </a:r>
-            <a:endParaRPr lang="de-AT" sz="2000" dirty="0"/>
+              <a:t> Words: Umwandlung in Vektoren bzw. Matrizen</a:t>
+            </a:r>
           </a:p>
           <a:p>
             <a:pPr lvl="2"/>
